--- a/tableau presentation.pptx
+++ b/tableau presentation.pptx
@@ -112,6 +112,11 @@
       </a:defRPr>
     </a:lvl9pPr>
   </p:defaultTextStyle>
+  <p:extLst>
+    <p:ext uri="{EFAFB233-063F-42B5-8137-9DF3F51BA10A}">
+      <p15:sldGuideLst xmlns:p15="http://schemas.microsoft.com/office/powerpoint/2012/main"/>
+    </p:ext>
+  </p:extLst>
 </p:presentation>
 </file>
 
@@ -266,7 +271,7 @@
           <a:p>
             <a:fld id="{23FEA57E-7C1A-457B-A4CD-5DCEB057B502}" type="datetime1">
               <a:rPr lang="en-US" smtClean="0"/>
-              <a:t>2/12/21</a:t>
+              <a:t>2/13/21</a:t>
             </a:fld>
             <a:endParaRPr lang="en-US" dirty="0"/>
           </a:p>
@@ -469,7 +474,7 @@
           <a:p>
             <a:fld id="{11789749-A4CD-447F-8298-2B7988C91CEA}" type="datetime1">
               <a:rPr lang="en-US" smtClean="0"/>
-              <a:t>2/12/21</a:t>
+              <a:t>2/13/21</a:t>
             </a:fld>
             <a:endParaRPr lang="en-US"/>
           </a:p>
@@ -680,7 +685,7 @@
           <a:p>
             <a:fld id="{BA0444D3-C0BA-4587-A56C-581AB9F841BE}" type="datetime1">
               <a:rPr lang="en-US" smtClean="0"/>
-              <a:t>2/12/21</a:t>
+              <a:t>2/13/21</a:t>
             </a:fld>
             <a:endParaRPr lang="en-US"/>
           </a:p>
@@ -894,7 +899,7 @@
           <a:p>
             <a:fld id="{201AF2CE-4F37-411C-A3EE-BBBE223265BF}" type="datetime1">
               <a:rPr lang="en-US" smtClean="0"/>
-              <a:t>2/12/21</a:t>
+              <a:t>2/13/21</a:t>
             </a:fld>
             <a:endParaRPr lang="en-US"/>
           </a:p>
@@ -1175,7 +1180,7 @@
           <a:p>
             <a:fld id="{C96083D4-708C-4BB5-B4FD-30CE9FA12FD5}" type="datetime1">
               <a:rPr lang="en-US" smtClean="0"/>
-              <a:t>2/12/21</a:t>
+              <a:t>2/13/21</a:t>
             </a:fld>
             <a:endParaRPr lang="en-US"/>
           </a:p>
@@ -1455,7 +1460,7 @@
           <a:p>
             <a:fld id="{D0D239B2-65BC-4C2A-A62B-3EABFE9590E4}" type="datetime1">
               <a:rPr lang="en-US" smtClean="0"/>
-              <a:t>2/12/21</a:t>
+              <a:t>2/13/21</a:t>
             </a:fld>
             <a:endParaRPr lang="en-US"/>
           </a:p>
@@ -1877,7 +1882,7 @@
           <a:p>
             <a:fld id="{85E05F5A-E4A3-476F-A89E-C2B73F2431E4}" type="datetime1">
               <a:rPr lang="en-US" smtClean="0"/>
-              <a:t>2/12/21</a:t>
+              <a:t>2/13/21</a:t>
             </a:fld>
             <a:endParaRPr lang="en-US"/>
           </a:p>
@@ -2022,7 +2027,7 @@
           <a:p>
             <a:fld id="{E3761515-4A26-4F31-9F61-5A10B1FABBFC}" type="datetime1">
               <a:rPr lang="en-US" smtClean="0"/>
-              <a:t>2/12/21</a:t>
+              <a:t>2/13/21</a:t>
             </a:fld>
             <a:endParaRPr lang="en-US"/>
           </a:p>
@@ -2138,7 +2143,7 @@
           <a:p>
             <a:fld id="{4A75DC65-7D1F-4BAB-9695-F7E734143E14}" type="datetime1">
               <a:rPr lang="en-US" smtClean="0"/>
-              <a:t>2/12/21</a:t>
+              <a:t>2/13/21</a:t>
             </a:fld>
             <a:endParaRPr lang="en-US"/>
           </a:p>
@@ -2452,7 +2457,7 @@
           <a:p>
             <a:fld id="{7E624077-BD55-4036-8E92-6558FDF3B653}" type="datetime1">
               <a:rPr lang="en-US" smtClean="0"/>
-              <a:t>2/12/21</a:t>
+              <a:t>2/13/21</a:t>
             </a:fld>
             <a:endParaRPr lang="en-US"/>
           </a:p>
@@ -2746,7 +2751,7 @@
           <a:p>
             <a:fld id="{804225F2-7107-4609-BCC2-77C63064A5E8}" type="datetime1">
               <a:rPr lang="en-US" smtClean="0"/>
-              <a:t>2/12/21</a:t>
+              <a:t>2/13/21</a:t>
             </a:fld>
             <a:endParaRPr lang="en-US"/>
           </a:p>
@@ -2994,7 +2999,7 @@
           <a:p>
             <a:fld id="{D3FE42E8-8B57-452D-A122-4DCE9AC771EF}" type="datetime1">
               <a:rPr lang="en-US" smtClean="0"/>
-              <a:t>2/12/21</a:t>
+              <a:t>2/13/21</a:t>
             </a:fld>
             <a:endParaRPr lang="en-US"/>
           </a:p>
@@ -3663,7 +3668,7 @@
         </p:blipFill>
         <p:spPr>
           <a:xfrm>
-            <a:off x="305395" y="492919"/>
+            <a:off x="305395" y="738244"/>
             <a:ext cx="11581207" cy="5872161"/>
           </a:xfrm>
           <a:prstGeom prst="rect">
@@ -3671,6 +3676,52 @@
           </a:prstGeom>
         </p:spPr>
       </p:pic>
+      <p:sp>
+        <p:nvSpPr>
+          <p:cNvPr id="2" name="TextBox 1">
+            <a:extLst>
+              <a:ext uri="{FF2B5EF4-FFF2-40B4-BE49-F238E27FC236}">
+                <a16:creationId xmlns:a16="http://schemas.microsoft.com/office/drawing/2014/main" id="{6AEADC4B-EC00-9B48-BBDF-BA91D1908BBB}"/>
+              </a:ext>
+            </a:extLst>
+          </p:cNvPr>
+          <p:cNvSpPr txBox="1"/>
+          <p:nvPr/>
+        </p:nvSpPr>
+        <p:spPr>
+          <a:xfrm>
+            <a:off x="1728443" y="122663"/>
+            <a:ext cx="9712708" cy="400110"/>
+          </a:xfrm>
+          <a:prstGeom prst="rect">
+            <a:avLst/>
+          </a:prstGeom>
+          <a:noFill/>
+        </p:spPr>
+        <p:txBody>
+          <a:bodyPr wrap="square" rtlCol="0">
+            <a:spAutoFit/>
+          </a:bodyPr>
+          <a:lstStyle/>
+          <a:p>
+            <a:r>
+              <a:rPr lang="en-US" sz="2000" dirty="0">
+                <a:latin typeface="Copperplate Gothic Bold" panose="020E0705020206020404" pitchFamily="34" charset="77"/>
+              </a:rPr>
+              <a:t>Jersey City 2019 Citi Bike Trip </a:t>
+            </a:r>
+            <a:r>
+              <a:rPr lang="en-US" sz="2000" dirty="0">
+                <a:solidFill>
+                  <a:schemeClr val="bg1"/>
+                </a:solidFill>
+                <a:latin typeface="Copperplate Gothic Bold" panose="020E0705020206020404" pitchFamily="34" charset="77"/>
+              </a:rPr>
+              <a:t>Data, Dashboard Visualization</a:t>
+            </a:r>
+          </a:p>
+        </p:txBody>
+      </p:sp>
     </p:spTree>
     <p:extLst>
       <p:ext uri="{BB962C8B-B14F-4D97-AF65-F5344CB8AC3E}">
@@ -3887,6 +3938,123 @@
           </a:p>
         </p:txBody>
       </p:sp>
+      <p:sp>
+        <p:nvSpPr>
+          <p:cNvPr id="4" name="TextBox 3">
+            <a:extLst>
+              <a:ext uri="{FF2B5EF4-FFF2-40B4-BE49-F238E27FC236}">
+                <a16:creationId xmlns:a16="http://schemas.microsoft.com/office/drawing/2014/main" id="{75AE6601-6ECA-A84F-AB57-187421ED1574}"/>
+              </a:ext>
+            </a:extLst>
+          </p:cNvPr>
+          <p:cNvSpPr txBox="1"/>
+          <p:nvPr/>
+        </p:nvSpPr>
+        <p:spPr>
+          <a:xfrm>
+            <a:off x="4777719" y="69146"/>
+            <a:ext cx="5893997" cy="523220"/>
+          </a:xfrm>
+          <a:prstGeom prst="rect">
+            <a:avLst/>
+          </a:prstGeom>
+          <a:noFill/>
+        </p:spPr>
+        <p:txBody>
+          <a:bodyPr wrap="square" rtlCol="0">
+            <a:spAutoFit/>
+          </a:bodyPr>
+          <a:lstStyle/>
+          <a:p>
+            <a:r>
+              <a:rPr lang="en-US" sz="2800" b="1" i="1" dirty="0">
+                <a:latin typeface="Arial Narrow" panose="020B0604020202020204" pitchFamily="34" charset="0"/>
+                <a:ea typeface="Brush Script MT" panose="03060802040406070304" pitchFamily="66" charset="-122"/>
+                <a:cs typeface="Arial Narrow" panose="020B0604020202020204" pitchFamily="34" charset="0"/>
+              </a:rPr>
+              <a:t>Trip duration by birth year (Age)</a:t>
+            </a:r>
+          </a:p>
+        </p:txBody>
+      </p:sp>
+      <p:sp>
+        <p:nvSpPr>
+          <p:cNvPr id="8" name="TextBox 7">
+            <a:extLst>
+              <a:ext uri="{FF2B5EF4-FFF2-40B4-BE49-F238E27FC236}">
+                <a16:creationId xmlns:a16="http://schemas.microsoft.com/office/drawing/2014/main" id="{2C515561-1EFD-3242-AD8C-05EAE053CDF6}"/>
+              </a:ext>
+            </a:extLst>
+          </p:cNvPr>
+          <p:cNvSpPr txBox="1"/>
+          <p:nvPr/>
+        </p:nvSpPr>
+        <p:spPr>
+          <a:xfrm>
+            <a:off x="200020" y="592366"/>
+            <a:ext cx="3228984" cy="5355312"/>
+          </a:xfrm>
+          <a:prstGeom prst="rect">
+            <a:avLst/>
+          </a:prstGeom>
+          <a:noFill/>
+        </p:spPr>
+        <p:txBody>
+          <a:bodyPr wrap="square" rtlCol="0">
+            <a:spAutoFit/>
+          </a:bodyPr>
+          <a:lstStyle/>
+          <a:p>
+            <a:r>
+              <a:rPr lang="en-US" dirty="0"/>
+              <a:t>This graph represents average trip duration by birth year (age); this data can be use and an enabler for target marketing to specific age groups. </a:t>
+            </a:r>
+          </a:p>
+          <a:p>
+            <a:r>
+              <a:rPr lang="en-US" dirty="0"/>
+              <a:t> </a:t>
+            </a:r>
+          </a:p>
+          <a:p>
+            <a:r>
+              <a:rPr lang="en-US" b="1" u="sng" dirty="0">
+                <a:solidFill>
+                  <a:srgbClr val="0070C0"/>
+                </a:solidFill>
+              </a:rPr>
+              <a:t>Note: </a:t>
+            </a:r>
+            <a:r>
+              <a:rPr lang="en-US" dirty="0"/>
+              <a:t>you will notice that you have riders born between 1880 to 1960. My guess here is it could be that the riders choose not to enter their year of birth. </a:t>
+            </a:r>
+            <a:r>
+              <a:rPr lang="en-US" b="1" u="sng" dirty="0">
+                <a:solidFill>
+                  <a:srgbClr val="0070C0"/>
+                </a:solidFill>
+              </a:rPr>
+              <a:t>My recommendation </a:t>
+            </a:r>
+            <a:r>
+              <a:rPr lang="en-US" dirty="0"/>
+              <a:t>is </a:t>
+            </a:r>
+            <a:r>
+              <a:rPr lang="en-US" dirty="0" err="1"/>
+              <a:t>CitiBike</a:t>
+            </a:r>
+            <a:r>
+              <a:rPr lang="en-US" dirty="0"/>
+              <a:t> could make users enter their exact year of birth but capturing a picture of their identification documentation if they intend to use this data for target marketing.</a:t>
+            </a:r>
+          </a:p>
+          <a:p>
+            <a:endParaRPr lang="en-US" dirty="0"/>
+          </a:p>
+        </p:txBody>
+      </p:sp>
     </p:spTree>
     <p:extLst>
       <p:ext uri="{BB962C8B-B14F-4D97-AF65-F5344CB8AC3E}">
@@ -3954,6 +4122,85 @@
           </a:ln>
         </p:spPr>
       </p:pic>
+      <p:sp>
+        <p:nvSpPr>
+          <p:cNvPr id="2" name="TextBox 1">
+            <a:extLst>
+              <a:ext uri="{FF2B5EF4-FFF2-40B4-BE49-F238E27FC236}">
+                <a16:creationId xmlns:a16="http://schemas.microsoft.com/office/drawing/2014/main" id="{F283E55C-75CC-8D4F-8384-B0E19EAD68ED}"/>
+              </a:ext>
+            </a:extLst>
+          </p:cNvPr>
+          <p:cNvSpPr txBox="1"/>
+          <p:nvPr/>
+        </p:nvSpPr>
+        <p:spPr>
+          <a:xfrm>
+            <a:off x="1137423" y="981306"/>
+            <a:ext cx="9611537" cy="2185214"/>
+          </a:xfrm>
+          <a:prstGeom prst="rect">
+            <a:avLst/>
+          </a:prstGeom>
+          <a:noFill/>
+        </p:spPr>
+        <p:txBody>
+          <a:bodyPr wrap="square" rtlCol="0">
+            <a:spAutoFit/>
+          </a:bodyPr>
+          <a:lstStyle/>
+          <a:p>
+            <a:r>
+              <a:rPr lang="en-US" sz="2800" b="1" u="sng" dirty="0">
+                <a:solidFill>
+                  <a:srgbClr val="0070C0"/>
+                </a:solidFill>
+                <a:latin typeface="Arial" panose="020B0604020202020204" pitchFamily="34" charset="0"/>
+                <a:cs typeface="Arial" panose="020B0604020202020204" pitchFamily="34" charset="0"/>
+              </a:rPr>
+              <a:t>The Top 10 Busy Start Stations</a:t>
+            </a:r>
+          </a:p>
+          <a:p>
+            <a:endParaRPr lang="en-US" b="1" u="sng" dirty="0">
+              <a:solidFill>
+                <a:srgbClr val="0070C0"/>
+              </a:solidFill>
+              <a:latin typeface="Arial" panose="020B0604020202020204" pitchFamily="34" charset="0"/>
+              <a:cs typeface="Arial" panose="020B0604020202020204" pitchFamily="34" charset="0"/>
+            </a:endParaRPr>
+          </a:p>
+          <a:p>
+            <a:r>
+              <a:rPr lang="en-US" dirty="0">
+                <a:latin typeface="Arial" panose="020B0604020202020204" pitchFamily="34" charset="0"/>
+                <a:cs typeface="Arial" panose="020B0604020202020204" pitchFamily="34" charset="0"/>
+              </a:rPr>
+              <a:t>People who work or live in and around these stations earn an income above the average income bracket; hence they could afford public transportation to and from work. However, they choose to use </a:t>
+            </a:r>
+            <a:r>
+              <a:rPr lang="en-US" dirty="0" err="1">
+                <a:latin typeface="Arial" panose="020B0604020202020204" pitchFamily="34" charset="0"/>
+                <a:cs typeface="Arial" panose="020B0604020202020204" pitchFamily="34" charset="0"/>
+              </a:rPr>
+              <a:t>CitiBike</a:t>
+            </a:r>
+            <a:r>
+              <a:rPr lang="en-US" dirty="0">
+                <a:latin typeface="Arial" panose="020B0604020202020204" pitchFamily="34" charset="0"/>
+                <a:cs typeface="Arial" panose="020B0604020202020204" pitchFamily="34" charset="0"/>
+              </a:rPr>
+              <a:t> for commuting as a means of physical exercise, a way to avoid heavy traffic to or from office to train station or their homes</a:t>
+            </a:r>
+          </a:p>
+          <a:p>
+            <a:endParaRPr lang="en-US" dirty="0">
+              <a:latin typeface="Arial" panose="020B0604020202020204" pitchFamily="34" charset="0"/>
+              <a:cs typeface="Arial" panose="020B0604020202020204" pitchFamily="34" charset="0"/>
+            </a:endParaRPr>
+          </a:p>
+        </p:txBody>
+      </p:sp>
     </p:spTree>
     <p:extLst>
       <p:ext uri="{BB962C8B-B14F-4D97-AF65-F5344CB8AC3E}">
@@ -4021,6 +4268,85 @@
           </a:ln>
         </p:spPr>
       </p:pic>
+      <p:sp>
+        <p:nvSpPr>
+          <p:cNvPr id="4" name="TextBox 3">
+            <a:extLst>
+              <a:ext uri="{FF2B5EF4-FFF2-40B4-BE49-F238E27FC236}">
+                <a16:creationId xmlns:a16="http://schemas.microsoft.com/office/drawing/2014/main" id="{7D2C5421-5688-9B42-82A2-D21D42ADAC80}"/>
+              </a:ext>
+            </a:extLst>
+          </p:cNvPr>
+          <p:cNvSpPr txBox="1"/>
+          <p:nvPr/>
+        </p:nvSpPr>
+        <p:spPr>
+          <a:xfrm>
+            <a:off x="301662" y="1920895"/>
+            <a:ext cx="6003887" cy="3016210"/>
+          </a:xfrm>
+          <a:prstGeom prst="rect">
+            <a:avLst/>
+          </a:prstGeom>
+          <a:noFill/>
+        </p:spPr>
+        <p:txBody>
+          <a:bodyPr wrap="square" rtlCol="0">
+            <a:spAutoFit/>
+          </a:bodyPr>
+          <a:lstStyle/>
+          <a:p>
+            <a:r>
+              <a:rPr lang="en-US" sz="2800" b="1" u="sng" dirty="0">
+                <a:solidFill>
+                  <a:srgbClr val="0070C0"/>
+                </a:solidFill>
+                <a:latin typeface="Arial" panose="020B0604020202020204" pitchFamily="34" charset="0"/>
+                <a:cs typeface="Arial" panose="020B0604020202020204" pitchFamily="34" charset="0"/>
+              </a:rPr>
+              <a:t>The Top 10 Busy Start Stations</a:t>
+            </a:r>
+          </a:p>
+          <a:p>
+            <a:endParaRPr lang="en-US" b="1" u="sng" dirty="0">
+              <a:solidFill>
+                <a:srgbClr val="0070C0"/>
+              </a:solidFill>
+              <a:latin typeface="Arial" panose="020B0604020202020204" pitchFamily="34" charset="0"/>
+              <a:cs typeface="Arial" panose="020B0604020202020204" pitchFamily="34" charset="0"/>
+            </a:endParaRPr>
+          </a:p>
+          <a:p>
+            <a:r>
+              <a:rPr lang="en-US" dirty="0">
+                <a:latin typeface="Arial" panose="020B0604020202020204" pitchFamily="34" charset="0"/>
+                <a:cs typeface="Arial" panose="020B0604020202020204" pitchFamily="34" charset="0"/>
+              </a:rPr>
+              <a:t>People who work or live in and around these stations earn an income above the average income bracket; hence they could afford public transportation to and from work. However, they choose to use </a:t>
+            </a:r>
+            <a:r>
+              <a:rPr lang="en-US" dirty="0" err="1">
+                <a:latin typeface="Arial" panose="020B0604020202020204" pitchFamily="34" charset="0"/>
+                <a:cs typeface="Arial" panose="020B0604020202020204" pitchFamily="34" charset="0"/>
+              </a:rPr>
+              <a:t>CitiBike</a:t>
+            </a:r>
+            <a:r>
+              <a:rPr lang="en-US" dirty="0">
+                <a:latin typeface="Arial" panose="020B0604020202020204" pitchFamily="34" charset="0"/>
+                <a:cs typeface="Arial" panose="020B0604020202020204" pitchFamily="34" charset="0"/>
+              </a:rPr>
+              <a:t> for commuting as a means of physical exercise, a way to avoid heavy traffic to or from office to train station or their homes</a:t>
+            </a:r>
+          </a:p>
+          <a:p>
+            <a:endParaRPr lang="en-US" dirty="0">
+              <a:latin typeface="Arial" panose="020B0604020202020204" pitchFamily="34" charset="0"/>
+              <a:cs typeface="Arial" panose="020B0604020202020204" pitchFamily="34" charset="0"/>
+            </a:endParaRPr>
+          </a:p>
+        </p:txBody>
+      </p:sp>
     </p:spTree>
     <p:extLst>
       <p:ext uri="{BB962C8B-B14F-4D97-AF65-F5344CB8AC3E}">
@@ -4088,6 +4414,60 @@
           </a:ln>
         </p:spPr>
       </p:pic>
+      <p:sp>
+        <p:nvSpPr>
+          <p:cNvPr id="2" name="TextBox 1">
+            <a:extLst>
+              <a:ext uri="{FF2B5EF4-FFF2-40B4-BE49-F238E27FC236}">
+                <a16:creationId xmlns:a16="http://schemas.microsoft.com/office/drawing/2014/main" id="{B8607F95-4DF2-4443-BB33-07B330AE304F}"/>
+              </a:ext>
+            </a:extLst>
+          </p:cNvPr>
+          <p:cNvSpPr txBox="1"/>
+          <p:nvPr/>
+        </p:nvSpPr>
+        <p:spPr>
+          <a:xfrm>
+            <a:off x="461962" y="1553679"/>
+            <a:ext cx="4081346" cy="2492990"/>
+          </a:xfrm>
+          <a:prstGeom prst="rect">
+            <a:avLst/>
+          </a:prstGeom>
+          <a:noFill/>
+        </p:spPr>
+        <p:txBody>
+          <a:bodyPr wrap="square" rtlCol="0">
+            <a:spAutoFit/>
+          </a:bodyPr>
+          <a:lstStyle/>
+          <a:p>
+            <a:r>
+              <a:rPr lang="en-US" sz="2400" b="1" u="sng" dirty="0">
+                <a:solidFill>
+                  <a:srgbClr val="0070C0"/>
+                </a:solidFill>
+              </a:rPr>
+              <a:t>Trip duration covered by the most used bikes (50)</a:t>
+            </a:r>
+          </a:p>
+          <a:p>
+            <a:r>
+              <a:rPr lang="en-US" dirty="0"/>
+              <a:t> </a:t>
+            </a:r>
+          </a:p>
+          <a:p>
+            <a:r>
+              <a:rPr lang="en-US" dirty="0"/>
+              <a:t>The essence of this analysis is to identify the most used bikes by trip duration covered, and this data will assist in planning for repairs and retiring of bikes.  </a:t>
+            </a:r>
+          </a:p>
+          <a:p>
+            <a:endParaRPr lang="en-US" dirty="0"/>
+          </a:p>
+        </p:txBody>
+      </p:sp>
     </p:spTree>
     <p:extLst>
       <p:ext uri="{BB962C8B-B14F-4D97-AF65-F5344CB8AC3E}">
@@ -4155,6 +4535,89 @@
           </a:ln>
         </p:spPr>
       </p:pic>
+      <p:sp>
+        <p:nvSpPr>
+          <p:cNvPr id="2" name="TextBox 1">
+            <a:extLst>
+              <a:ext uri="{FF2B5EF4-FFF2-40B4-BE49-F238E27FC236}">
+                <a16:creationId xmlns:a16="http://schemas.microsoft.com/office/drawing/2014/main" id="{7384CAFF-046F-A34E-A004-8C68F6E5F952}"/>
+              </a:ext>
+            </a:extLst>
+          </p:cNvPr>
+          <p:cNvSpPr txBox="1"/>
+          <p:nvPr/>
+        </p:nvSpPr>
+        <p:spPr>
+          <a:xfrm>
+            <a:off x="412595" y="1048215"/>
+            <a:ext cx="2141034" cy="2308324"/>
+          </a:xfrm>
+          <a:prstGeom prst="rect">
+            <a:avLst/>
+          </a:prstGeom>
+          <a:noFill/>
+        </p:spPr>
+        <p:txBody>
+          <a:bodyPr wrap="square" rtlCol="0">
+            <a:spAutoFit/>
+          </a:bodyPr>
+          <a:lstStyle/>
+          <a:p>
+            <a:r>
+              <a:rPr lang="en-US" dirty="0"/>
+              <a:t> </a:t>
+            </a:r>
+          </a:p>
+          <a:p>
+            <a:r>
+              <a:rPr lang="en-US" dirty="0"/>
+              <a:t>This visualization aims to base our facts on bike usage on gender and 2018 household income data.</a:t>
+            </a:r>
+          </a:p>
+          <a:p>
+            <a:endParaRPr lang="en-US" dirty="0"/>
+          </a:p>
+        </p:txBody>
+      </p:sp>
+      <p:sp>
+        <p:nvSpPr>
+          <p:cNvPr id="3" name="TextBox 2">
+            <a:extLst>
+              <a:ext uri="{FF2B5EF4-FFF2-40B4-BE49-F238E27FC236}">
+                <a16:creationId xmlns:a16="http://schemas.microsoft.com/office/drawing/2014/main" id="{6D68224B-7051-8045-9EC9-CEE1F7435539}"/>
+              </a:ext>
+            </a:extLst>
+          </p:cNvPr>
+          <p:cNvSpPr txBox="1"/>
+          <p:nvPr/>
+        </p:nvSpPr>
+        <p:spPr>
+          <a:xfrm>
+            <a:off x="3323060" y="150956"/>
+            <a:ext cx="6114366" cy="461665"/>
+          </a:xfrm>
+          <a:prstGeom prst="rect">
+            <a:avLst/>
+          </a:prstGeom>
+          <a:noFill/>
+        </p:spPr>
+        <p:txBody>
+          <a:bodyPr wrap="none" rtlCol="0">
+            <a:spAutoFit/>
+          </a:bodyPr>
+          <a:lstStyle/>
+          <a:p>
+            <a:r>
+              <a:rPr lang="en-US" sz="2400" dirty="0">
+                <a:solidFill>
+                  <a:srgbClr val="0070C0"/>
+                </a:solidFill>
+              </a:rPr>
+              <a:t>Busy stations by gender and household income </a:t>
+            </a:r>
+          </a:p>
+        </p:txBody>
+      </p:sp>
     </p:spTree>
     <p:extLst>
       <p:ext uri="{BB962C8B-B14F-4D97-AF65-F5344CB8AC3E}">
@@ -4287,6 +4750,92 @@
           </a:ln>
         </p:spPr>
       </p:pic>
+      <p:sp>
+        <p:nvSpPr>
+          <p:cNvPr id="4" name="TextBox 3">
+            <a:extLst>
+              <a:ext uri="{FF2B5EF4-FFF2-40B4-BE49-F238E27FC236}">
+                <a16:creationId xmlns:a16="http://schemas.microsoft.com/office/drawing/2014/main" id="{CD3BA030-9183-C24A-A1CB-A9DF5E80B8A7}"/>
+              </a:ext>
+            </a:extLst>
+          </p:cNvPr>
+          <p:cNvSpPr txBox="1"/>
+          <p:nvPr/>
+        </p:nvSpPr>
+        <p:spPr>
+          <a:xfrm>
+            <a:off x="200020" y="592366"/>
+            <a:ext cx="3228984" cy="5078313"/>
+          </a:xfrm>
+          <a:prstGeom prst="rect">
+            <a:avLst/>
+          </a:prstGeom>
+          <a:noFill/>
+        </p:spPr>
+        <p:txBody>
+          <a:bodyPr wrap="square" rtlCol="0">
+            <a:spAutoFit/>
+          </a:bodyPr>
+          <a:lstStyle/>
+          <a:p>
+            <a:r>
+              <a:rPr lang="en-US" dirty="0"/>
+              <a:t>This graph represents </a:t>
+            </a:r>
+            <a:r>
+              <a:rPr lang="en-US" dirty="0" err="1"/>
+              <a:t>usertype</a:t>
+            </a:r>
+            <a:r>
+              <a:rPr lang="en-US" dirty="0"/>
+              <a:t> by birth year (age); this data can be use and an enabler for target marketing to specific age groups. </a:t>
+            </a:r>
+          </a:p>
+          <a:p>
+            <a:r>
+              <a:rPr lang="en-US" dirty="0"/>
+              <a:t> </a:t>
+            </a:r>
+          </a:p>
+          <a:p>
+            <a:r>
+              <a:rPr lang="en-US" b="1" u="sng" dirty="0">
+                <a:solidFill>
+                  <a:srgbClr val="0070C0"/>
+                </a:solidFill>
+              </a:rPr>
+              <a:t>Note: </a:t>
+            </a:r>
+            <a:r>
+              <a:rPr lang="en-US" dirty="0"/>
+              <a:t>you will notice that you have riders born between 1880 to 1960. My guess here is it could be that the riders choose not to enter their year of birth. </a:t>
+            </a:r>
+            <a:r>
+              <a:rPr lang="en-US" b="1" u="sng" dirty="0">
+                <a:solidFill>
+                  <a:srgbClr val="0070C0"/>
+                </a:solidFill>
+              </a:rPr>
+              <a:t>My recommendation </a:t>
+            </a:r>
+            <a:r>
+              <a:rPr lang="en-US" dirty="0"/>
+              <a:t>is </a:t>
+            </a:r>
+            <a:r>
+              <a:rPr lang="en-US" dirty="0" err="1"/>
+              <a:t>CitiBike</a:t>
+            </a:r>
+            <a:r>
+              <a:rPr lang="en-US" dirty="0"/>
+              <a:t> could make users enter their exact year of birth but capturing a picture of their identification documentation if they intend to use this data for target marketing.</a:t>
+            </a:r>
+          </a:p>
+          <a:p>
+            <a:endParaRPr lang="en-US" dirty="0"/>
+          </a:p>
+        </p:txBody>
+      </p:sp>
     </p:spTree>
     <p:extLst>
       <p:ext uri="{BB962C8B-B14F-4D97-AF65-F5344CB8AC3E}">
@@ -4468,39 +5017,6 @@
           </a:p>
         </p:txBody>
       </p:sp>
-      <p:sp>
-        <p:nvSpPr>
-          <p:cNvPr id="2" name="Title 1">
-            <a:extLst>
-              <a:ext uri="{FF2B5EF4-FFF2-40B4-BE49-F238E27FC236}">
-                <a16:creationId xmlns:a16="http://schemas.microsoft.com/office/drawing/2014/main" id="{CCEB23EF-FC1B-D340-8D9F-CF9E6DBD5F27}"/>
-              </a:ext>
-            </a:extLst>
-          </p:cNvPr>
-          <p:cNvSpPr>
-            <a:spLocks noGrp="1"/>
-          </p:cNvSpPr>
-          <p:nvPr>
-            <p:ph type="title"/>
-          </p:nvPr>
-        </p:nvSpPr>
-        <p:spPr>
-          <a:xfrm>
-            <a:off x="200026" y="1371600"/>
-            <a:ext cx="2428874" cy="4114800"/>
-          </a:xfrm>
-        </p:spPr>
-        <p:txBody>
-          <a:bodyPr anchor="ctr">
-            <a:normAutofit/>
-          </a:bodyPr>
-          <a:lstStyle/>
-          <a:p>
-            <a:pPr algn="ctr"/>
-            <a:endParaRPr lang="en-US" dirty="0"/>
-          </a:p>
-        </p:txBody>
-      </p:sp>
       <p:pic>
         <p:nvPicPr>
           <p:cNvPr id="5" name="Content Placeholder 4" descr="Chart, bar chart&#10;&#10;Description automatically generated">
@@ -4538,6 +5054,63 @@
           </a:ln>
         </p:spPr>
       </p:pic>
+      <p:sp>
+        <p:nvSpPr>
+          <p:cNvPr id="9" name="TextBox 8">
+            <a:extLst>
+              <a:ext uri="{FF2B5EF4-FFF2-40B4-BE49-F238E27FC236}">
+                <a16:creationId xmlns:a16="http://schemas.microsoft.com/office/drawing/2014/main" id="{D3C59E3A-7657-C74E-83C6-C42657A4E2E6}"/>
+              </a:ext>
+            </a:extLst>
+          </p:cNvPr>
+          <p:cNvSpPr txBox="1"/>
+          <p:nvPr/>
+        </p:nvSpPr>
+        <p:spPr>
+          <a:xfrm>
+            <a:off x="162785" y="1230293"/>
+            <a:ext cx="2459658" cy="3046988"/>
+          </a:xfrm>
+          <a:prstGeom prst="rect">
+            <a:avLst/>
+          </a:prstGeom>
+          <a:noFill/>
+        </p:spPr>
+        <p:txBody>
+          <a:bodyPr wrap="square" rtlCol="0">
+            <a:spAutoFit/>
+          </a:bodyPr>
+          <a:lstStyle/>
+          <a:p>
+            <a:r>
+              <a:rPr lang="en-US" sz="2400" b="1" u="sng" dirty="0">
+                <a:solidFill>
+                  <a:srgbClr val="0070C0"/>
+                </a:solidFill>
+              </a:rPr>
+              <a:t>Avg distance by bike</a:t>
+            </a:r>
+          </a:p>
+          <a:p>
+            <a:endParaRPr lang="en-US" dirty="0"/>
+          </a:p>
+          <a:p>
+            <a:r>
+              <a:rPr lang="en-US" dirty="0"/>
+              <a:t>This data again helps us to identify the average distance by bike, </a:t>
+            </a:r>
+          </a:p>
+          <a:p>
+            <a:r>
+              <a:rPr lang="en-US" dirty="0"/>
+              <a:t>this data will also assist in planning for repairs and retiring of bikes.  </a:t>
+            </a:r>
+          </a:p>
+          <a:p>
+            <a:endParaRPr lang="en-US" dirty="0"/>
+          </a:p>
+        </p:txBody>
+      </p:sp>
     </p:spTree>
     <p:extLst>
       <p:ext uri="{BB962C8B-B14F-4D97-AF65-F5344CB8AC3E}">
